--- a/flow chart.pptx
+++ b/flow chart.pptx
@@ -7,6 +7,8 @@
   <p:sldIdLst>
     <p:sldId id="256" r:id="rId2"/>
     <p:sldId id="257" r:id="rId3"/>
+    <p:sldId id="258" r:id="rId4"/>
+    <p:sldId id="259" r:id="rId5"/>
   </p:sldIdLst>
   <p:sldSz cx="12192000" cy="6858000"/>
   <p:notesSz cx="6858000" cy="9144000"/>
@@ -7164,8 +7166,8 @@
           </a:ln>
         </p:spPr>
       </p:pic>
-      <mc:AlternateContent xmlns:mc="http://schemas.openxmlformats.org/markup-compatibility/2006">
-        <mc:Choice xmlns:a14="http://schemas.microsoft.com/office/drawing/2010/main" Requires="a14">
+      <mc:AlternateContent xmlns:mc="http://schemas.openxmlformats.org/markup-compatibility/2006" xmlns:a14="http://schemas.microsoft.com/office/drawing/2010/main">
+        <mc:Choice Requires="a14">
           <p:sp>
             <p:nvSpPr>
               <p:cNvPr id="5" name="TextBox 4"/>
@@ -7226,7 +7228,7 @@
             </p:txBody>
           </p:sp>
         </mc:Choice>
-        <mc:Fallback>
+        <mc:Fallback xmlns="">
           <p:sp>
             <p:nvSpPr>
               <p:cNvPr id="5" name="TextBox 4"/>
@@ -7269,6 +7271,114 @@
     <p:extLst>
       <p:ext uri="{BB962C8B-B14F-4D97-AF65-F5344CB8AC3E}">
         <p14:creationId xmlns:p14="http://schemas.microsoft.com/office/powerpoint/2010/main" val="3879034522"/>
+      </p:ext>
+    </p:extLst>
+  </p:cSld>
+  <p:clrMapOvr>
+    <a:masterClrMapping/>
+  </p:clrMapOvr>
+</p:sld>
+</file>
+
+<file path=ppt/slides/slide3.xml><?xml version="1.0" encoding="utf-8"?>
+<p:sld xmlns:a="http://schemas.openxmlformats.org/drawingml/2006/main" xmlns:r="http://schemas.openxmlformats.org/officeDocument/2006/relationships" xmlns:p="http://schemas.openxmlformats.org/presentationml/2006/main">
+  <p:cSld>
+    <p:spTree>
+      <p:nvGrpSpPr>
+        <p:cNvPr id="1" name=""/>
+        <p:cNvGrpSpPr/>
+        <p:nvPr/>
+      </p:nvGrpSpPr>
+      <p:grpSpPr>
+        <a:xfrm>
+          <a:off x="0" y="0"/>
+          <a:ext cx="0" cy="0"/>
+          <a:chOff x="0" y="0"/>
+          <a:chExt cx="0" cy="0"/>
+        </a:xfrm>
+      </p:grpSpPr>
+      <p:pic>
+        <p:nvPicPr>
+          <p:cNvPr id="4" name="Picture 3"/>
+          <p:cNvPicPr>
+            <a:picLocks noChangeAspect="1"/>
+          </p:cNvPicPr>
+          <p:nvPr/>
+        </p:nvPicPr>
+        <p:blipFill>
+          <a:blip r:embed="rId2"/>
+          <a:stretch>
+            <a:fillRect/>
+          </a:stretch>
+        </p:blipFill>
+        <p:spPr>
+          <a:xfrm>
+            <a:off x="1366837" y="285750"/>
+            <a:ext cx="9458325" cy="6286500"/>
+          </a:xfrm>
+          <a:prstGeom prst="rect">
+            <a:avLst/>
+          </a:prstGeom>
+        </p:spPr>
+      </p:pic>
+    </p:spTree>
+    <p:extLst>
+      <p:ext uri="{BB962C8B-B14F-4D97-AF65-F5344CB8AC3E}">
+        <p14:creationId xmlns:p14="http://schemas.microsoft.com/office/powerpoint/2010/main" val="3991677105"/>
+      </p:ext>
+    </p:extLst>
+  </p:cSld>
+  <p:clrMapOvr>
+    <a:masterClrMapping/>
+  </p:clrMapOvr>
+</p:sld>
+</file>
+
+<file path=ppt/slides/slide4.xml><?xml version="1.0" encoding="utf-8"?>
+<p:sld xmlns:a="http://schemas.openxmlformats.org/drawingml/2006/main" xmlns:r="http://schemas.openxmlformats.org/officeDocument/2006/relationships" xmlns:p="http://schemas.openxmlformats.org/presentationml/2006/main">
+  <p:cSld>
+    <p:spTree>
+      <p:nvGrpSpPr>
+        <p:cNvPr id="1" name=""/>
+        <p:cNvGrpSpPr/>
+        <p:nvPr/>
+      </p:nvGrpSpPr>
+      <p:grpSpPr>
+        <a:xfrm>
+          <a:off x="0" y="0"/>
+          <a:ext cx="0" cy="0"/>
+          <a:chOff x="0" y="0"/>
+          <a:chExt cx="0" cy="0"/>
+        </a:xfrm>
+      </p:grpSpPr>
+      <p:pic>
+        <p:nvPicPr>
+          <p:cNvPr id="4" name="Picture 3"/>
+          <p:cNvPicPr>
+            <a:picLocks noChangeAspect="1"/>
+          </p:cNvPicPr>
+          <p:nvPr/>
+        </p:nvPicPr>
+        <p:blipFill>
+          <a:blip r:embed="rId2"/>
+          <a:stretch>
+            <a:fillRect/>
+          </a:stretch>
+        </p:blipFill>
+        <p:spPr>
+          <a:xfrm>
+            <a:off x="1323975" y="257175"/>
+            <a:ext cx="9544050" cy="6343650"/>
+          </a:xfrm>
+          <a:prstGeom prst="rect">
+            <a:avLst/>
+          </a:prstGeom>
+        </p:spPr>
+      </p:pic>
+    </p:spTree>
+    <p:extLst>
+      <p:ext uri="{BB962C8B-B14F-4D97-AF65-F5344CB8AC3E}">
+        <p14:creationId xmlns:p14="http://schemas.microsoft.com/office/powerpoint/2010/main" val="1062045226"/>
       </p:ext>
     </p:extLst>
   </p:cSld>
